--- a/Superstore Sales Analysis.pptx
+++ b/Superstore Sales Analysis.pptx
@@ -552,6 +552,90 @@
     <p:extLst>
       <p:ext uri="{BB962C8B-B14F-4D97-AF65-F5344CB8AC3E}">
         <p14:creationId xmlns:p14="http://schemas.microsoft.com/office/powerpoint/2010/main" val="3612874078"/>
+      </p:ext>
+    </p:extLst>
+  </p:cSld>
+  <p:clrMapOvr>
+    <a:masterClrMapping/>
+  </p:clrMapOvr>
+</p:notes>
+</file>
+
+<file path=ppt/notesSlides/notesSlide2.xml><?xml version="1.0" encoding="utf-8"?>
+<p:notes xmlns:a="http://schemas.openxmlformats.org/drawingml/2006/main" xmlns:r="http://schemas.openxmlformats.org/officeDocument/2006/relationships" xmlns:p="http://schemas.openxmlformats.org/presentationml/2006/main">
+  <p:cSld>
+    <p:spTree>
+      <p:nvGrpSpPr>
+        <p:cNvPr id="1" name=""/>
+        <p:cNvGrpSpPr/>
+        <p:nvPr/>
+      </p:nvGrpSpPr>
+      <p:grpSpPr>
+        <a:xfrm>
+          <a:off x="0" y="0"/>
+          <a:ext cx="0" cy="0"/>
+          <a:chOff x="0" y="0"/>
+          <a:chExt cx="0" cy="0"/>
+        </a:xfrm>
+      </p:grpSpPr>
+      <p:sp>
+        <p:nvSpPr>
+          <p:cNvPr id="2" name="Slide Image Placeholder 1"/>
+          <p:cNvSpPr>
+            <a:spLocks noGrp="1" noRot="1" noChangeAspect="1"/>
+          </p:cNvSpPr>
+          <p:nvPr>
+            <p:ph type="sldImg"/>
+          </p:nvPr>
+        </p:nvSpPr>
+        <p:spPr/>
+      </p:sp>
+      <p:sp>
+        <p:nvSpPr>
+          <p:cNvPr id="3" name="Notes Placeholder 2"/>
+          <p:cNvSpPr>
+            <a:spLocks noGrp="1"/>
+          </p:cNvSpPr>
+          <p:nvPr>
+            <p:ph type="body" idx="1"/>
+          </p:nvPr>
+        </p:nvSpPr>
+        <p:spPr/>
+        <p:txBody>
+          <a:bodyPr/>
+          <a:lstStyle/>
+          <a:p>
+            <a:endParaRPr lang="en-US" dirty="0"/>
+          </a:p>
+        </p:txBody>
+      </p:sp>
+      <p:sp>
+        <p:nvSpPr>
+          <p:cNvPr id="4" name="Slide Number Placeholder 3"/>
+          <p:cNvSpPr>
+            <a:spLocks noGrp="1"/>
+          </p:cNvSpPr>
+          <p:nvPr>
+            <p:ph type="sldNum" sz="quarter" idx="5"/>
+          </p:nvPr>
+        </p:nvSpPr>
+        <p:spPr/>
+        <p:txBody>
+          <a:bodyPr/>
+          <a:lstStyle/>
+          <a:p>
+            <a:fld id="{E45AAFAD-8642-4593-835E-C022317E3015}" type="slidenum">
+              <a:rPr lang="en-US" smtClean="0"/>
+              <a:t>4</a:t>
+            </a:fld>
+            <a:endParaRPr lang="en-US"/>
+          </a:p>
+        </p:txBody>
+      </p:sp>
+    </p:spTree>
+    <p:extLst>
+      <p:ext uri="{BB962C8B-B14F-4D97-AF65-F5344CB8AC3E}">
+        <p14:creationId xmlns:p14="http://schemas.microsoft.com/office/powerpoint/2010/main" val="1820613615"/>
       </p:ext>
     </p:extLst>
   </p:cSld>
@@ -3981,7 +4065,7 @@
         <p:spPr>
           <a:xfrm>
             <a:off x="230661" y="5588004"/>
-            <a:ext cx="11022225" cy="923330"/>
+            <a:ext cx="11022225" cy="1200329"/>
           </a:xfrm>
           <a:prstGeom prst="rect">
             <a:avLst/>
@@ -3999,14 +4083,20 @@
               <a:t>On the Overall Sales page, we have turned off Furniture and Technology to analyze Office Supplies.  The Geo Plot shows where the Sales are highest (CA, NY, TX) indicated by the color.  We also see the total aggregated number of Orders and Sales in Millions, along with Sales Revenue over time on the Time Series plot.</a:t>
             </a:r>
           </a:p>
+          <a:p>
+            <a:r>
+              <a:rPr lang="en-US" dirty="0"/>
+              <a:t>(If we wanted to, we could also use filters to select these States only, but did not do that in this example).</a:t>
+            </a:r>
+          </a:p>
         </p:txBody>
       </p:sp>
       <p:pic>
         <p:nvPicPr>
-          <p:cNvPr id="4" name="Picture 3">
-            <a:extLst>
-              <a:ext uri="{FF2B5EF4-FFF2-40B4-BE49-F238E27FC236}">
-                <a16:creationId xmlns:a16="http://schemas.microsoft.com/office/drawing/2014/main" id="{184CC5D2-E911-C5D3-7804-2A033AFC3D43}"/>
+          <p:cNvPr id="6" name="Picture 5">
+            <a:extLst>
+              <a:ext uri="{FF2B5EF4-FFF2-40B4-BE49-F238E27FC236}">
+                <a16:creationId xmlns:a16="http://schemas.microsoft.com/office/drawing/2014/main" id="{0D6A8583-4200-CCF1-6A36-9F5551900DC7}"/>
               </a:ext>
             </a:extLst>
           </p:cNvPr>
@@ -4015,16 +4105,15 @@
           </p:cNvPicPr>
           <p:nvPr/>
         </p:nvPicPr>
-        <p:blipFill>
+        <p:blipFill rotWithShape="1">
           <a:blip r:embed="rId2"/>
-          <a:stretch>
-            <a:fillRect/>
-          </a:stretch>
+          <a:srcRect b="11694"/>
+          <a:stretch/>
         </p:blipFill>
         <p:spPr>
           <a:xfrm>
-            <a:off x="584887" y="808331"/>
-            <a:ext cx="11022225" cy="4702433"/>
+            <a:off x="420130" y="805510"/>
+            <a:ext cx="10387914" cy="4782494"/>
           </a:xfrm>
           <a:prstGeom prst="rect">
             <a:avLst/>
@@ -5072,7 +5161,7 @@
             </a:pPr>
             <a:r>
               <a:rPr lang="en-US" dirty="0"/>
-              <a:t>Analysis includes Geo Plot by state, Timeseries plots and trends, Tables and supplemental charts to help analyze Sales trends and profits by Sales Category and Region</a:t>
+              <a:t>Analysis includes Geo Plot by State, Timeseries plots and trends, Tables and supplemental charts to help analyze Sales trends and Profits by Sales Category and Region</a:t>
             </a:r>
           </a:p>
           <a:p>
@@ -5258,12 +5347,53 @@
           </a:p>
         </p:txBody>
       </p:sp>
+      <p:sp>
+        <p:nvSpPr>
+          <p:cNvPr id="3" name="TextBox 2">
+            <a:extLst>
+              <a:ext uri="{FF2B5EF4-FFF2-40B4-BE49-F238E27FC236}">
+                <a16:creationId xmlns:a16="http://schemas.microsoft.com/office/drawing/2014/main" id="{9A8C57E6-1AE8-393C-B008-EDD7F664CDB0}"/>
+              </a:ext>
+            </a:extLst>
+          </p:cNvPr>
+          <p:cNvSpPr txBox="1"/>
+          <p:nvPr/>
+        </p:nvSpPr>
+        <p:spPr>
+          <a:xfrm>
+            <a:off x="204186" y="5758249"/>
+            <a:ext cx="11766904" cy="923330"/>
+          </a:xfrm>
+          <a:prstGeom prst="rect">
+            <a:avLst/>
+          </a:prstGeom>
+          <a:noFill/>
+        </p:spPr>
+        <p:txBody>
+          <a:bodyPr wrap="square" rtlCol="0">
+            <a:spAutoFit/>
+          </a:bodyPr>
+          <a:lstStyle/>
+          <a:p>
+            <a:r>
+              <a:rPr lang="en-US" dirty="0"/>
+              <a:t>The main page shows the Geo plot and overall Timeseries plot, with the total aggregated Number of Orders and Total Sales on the top bars.  Here is where the user can select specific date ranges, categories, sub-categories and States of interest. </a:t>
+            </a:r>
+          </a:p>
+          <a:p>
+            <a:r>
+              <a:rPr lang="en-US" dirty="0"/>
+              <a:t>To reset, just hit the ‘Reset’ button shown on the taskbar.  This will return to default settings. Navigation tab is circled in red.</a:t>
+            </a:r>
+          </a:p>
+        </p:txBody>
+      </p:sp>
       <p:pic>
         <p:nvPicPr>
-          <p:cNvPr id="7" name="Picture 6">
-            <a:extLst>
-              <a:ext uri="{FF2B5EF4-FFF2-40B4-BE49-F238E27FC236}">
-                <a16:creationId xmlns:a16="http://schemas.microsoft.com/office/drawing/2014/main" id="{C8805F3A-6D7A-45A8-A692-94E7DA85CF3A}"/>
+          <p:cNvPr id="6" name="Picture 5">
+            <a:extLst>
+              <a:ext uri="{FF2B5EF4-FFF2-40B4-BE49-F238E27FC236}">
+                <a16:creationId xmlns:a16="http://schemas.microsoft.com/office/drawing/2014/main" id="{D6E0D104-6092-C89E-115F-2530E59F0ECD}"/>
               </a:ext>
             </a:extLst>
           </p:cNvPr>
@@ -5280,8 +5410,8 @@
         </p:blipFill>
         <p:spPr>
           <a:xfrm>
-            <a:off x="204186" y="857071"/>
-            <a:ext cx="9120326" cy="4837904"/>
+            <a:off x="764358" y="809703"/>
+            <a:ext cx="9426489" cy="4983556"/>
           </a:xfrm>
           <a:prstGeom prst="rect">
             <a:avLst/>
@@ -5290,47 +5420,6 @@
       </p:pic>
       <p:sp>
         <p:nvSpPr>
-          <p:cNvPr id="3" name="TextBox 2">
-            <a:extLst>
-              <a:ext uri="{FF2B5EF4-FFF2-40B4-BE49-F238E27FC236}">
-                <a16:creationId xmlns:a16="http://schemas.microsoft.com/office/drawing/2014/main" id="{9A8C57E6-1AE8-393C-B008-EDD7F664CDB0}"/>
-              </a:ext>
-            </a:extLst>
-          </p:cNvPr>
-          <p:cNvSpPr txBox="1"/>
-          <p:nvPr/>
-        </p:nvSpPr>
-        <p:spPr>
-          <a:xfrm>
-            <a:off x="204186" y="5758249"/>
-            <a:ext cx="11766904" cy="923330"/>
-          </a:xfrm>
-          <a:prstGeom prst="rect">
-            <a:avLst/>
-          </a:prstGeom>
-          <a:noFill/>
-        </p:spPr>
-        <p:txBody>
-          <a:bodyPr wrap="square" rtlCol="0">
-            <a:spAutoFit/>
-          </a:bodyPr>
-          <a:lstStyle/>
-          <a:p>
-            <a:r>
-              <a:rPr lang="en-US" dirty="0"/>
-              <a:t>The main page shows the Geo plot and overall Timeseries plot, with the total aggregated Number of Orders and Total Sales on the top bars.  Here is where the user can select specific date ranges, categories and sub-categories of interest. </a:t>
-            </a:r>
-          </a:p>
-          <a:p>
-            <a:r>
-              <a:rPr lang="en-US" dirty="0"/>
-              <a:t>To reset, just hit the ‘Reset’ button shown on the taskbar.  This will return to default settings. Navigation tab is circled in red.</a:t>
-            </a:r>
-          </a:p>
-        </p:txBody>
-      </p:sp>
-      <p:sp>
-        <p:nvSpPr>
           <p:cNvPr id="4" name="Oval 3">
             <a:extLst>
               <a:ext uri="{FF2B5EF4-FFF2-40B4-BE49-F238E27FC236}">
@@ -5343,7 +5432,7 @@
         </p:nvSpPr>
         <p:spPr>
           <a:xfrm>
-            <a:off x="1082180" y="857071"/>
+            <a:off x="1658829" y="809703"/>
             <a:ext cx="1895912" cy="368492"/>
           </a:xfrm>
           <a:prstGeom prst="ellipse">
@@ -5444,12 +5533,65 @@
           </a:p>
         </p:txBody>
       </p:sp>
+      <p:sp>
+        <p:nvSpPr>
+          <p:cNvPr id="5" name="TextBox 4">
+            <a:extLst>
+              <a:ext uri="{FF2B5EF4-FFF2-40B4-BE49-F238E27FC236}">
+                <a16:creationId xmlns:a16="http://schemas.microsoft.com/office/drawing/2014/main" id="{65DDED4D-C741-98D0-16D3-5DE3D621596C}"/>
+              </a:ext>
+            </a:extLst>
+          </p:cNvPr>
+          <p:cNvSpPr txBox="1"/>
+          <p:nvPr/>
+        </p:nvSpPr>
+        <p:spPr>
+          <a:xfrm>
+            <a:off x="7348756" y="1690688"/>
+            <a:ext cx="4580389" cy="3139321"/>
+          </a:xfrm>
+          <a:prstGeom prst="rect">
+            <a:avLst/>
+          </a:prstGeom>
+          <a:noFill/>
+        </p:spPr>
+        <p:txBody>
+          <a:bodyPr wrap="square" rtlCol="0">
+            <a:spAutoFit/>
+          </a:bodyPr>
+          <a:lstStyle/>
+          <a:p>
+            <a:r>
+              <a:rPr lang="en-US" dirty="0"/>
+              <a:t>On the Geo plot, hover over any individual State and the name of the State with the Total Sales Revenue for that State will be displayed.</a:t>
+            </a:r>
+          </a:p>
+          <a:p>
+            <a:endParaRPr lang="en-US" dirty="0"/>
+          </a:p>
+          <a:p>
+            <a:r>
+              <a:rPr lang="en-US" dirty="0"/>
+              <a:t>Here, hovering over Texas, app shows $170,188 in Sales based on the current Date Ranges, Categories and Subcategory selected.</a:t>
+            </a:r>
+          </a:p>
+          <a:p>
+            <a:endParaRPr lang="en-US" dirty="0"/>
+          </a:p>
+          <a:p>
+            <a:r>
+              <a:rPr lang="en-US" dirty="0"/>
+              <a:t>This is interactive, and can be viewed for any State and combination of Date ranges, Category, Subcategories and States as filters.</a:t>
+            </a:r>
+          </a:p>
+        </p:txBody>
+      </p:sp>
       <p:pic>
         <p:nvPicPr>
-          <p:cNvPr id="4" name="Picture 3">
-            <a:extLst>
-              <a:ext uri="{FF2B5EF4-FFF2-40B4-BE49-F238E27FC236}">
-                <a16:creationId xmlns:a16="http://schemas.microsoft.com/office/drawing/2014/main" id="{0CF09639-A36A-D538-D283-8FFEB420165B}"/>
+          <p:cNvPr id="8" name="Picture 7">
+            <a:extLst>
+              <a:ext uri="{FF2B5EF4-FFF2-40B4-BE49-F238E27FC236}">
+                <a16:creationId xmlns:a16="http://schemas.microsoft.com/office/drawing/2014/main" id="{795E31A4-50A4-B137-DAEF-47CAC80C2A66}"/>
               </a:ext>
             </a:extLst>
           </p:cNvPr>
@@ -5459,73 +5601,20 @@
           <p:nvPr/>
         </p:nvPicPr>
         <p:blipFill rotWithShape="1">
-          <a:blip r:embed="rId2"/>
-          <a:srcRect t="2355" r="72821" b="21315"/>
+          <a:blip r:embed="rId3"/>
+          <a:srcRect r="72568" b="20751"/>
           <a:stretch/>
         </p:blipFill>
         <p:spPr>
           <a:xfrm>
-            <a:off x="176168" y="1304794"/>
-            <a:ext cx="7030500" cy="5553206"/>
+            <a:off x="262855" y="1047235"/>
+            <a:ext cx="6706356" cy="5448915"/>
           </a:xfrm>
           <a:prstGeom prst="rect">
             <a:avLst/>
           </a:prstGeom>
         </p:spPr>
       </p:pic>
-      <p:sp>
-        <p:nvSpPr>
-          <p:cNvPr id="5" name="TextBox 4">
-            <a:extLst>
-              <a:ext uri="{FF2B5EF4-FFF2-40B4-BE49-F238E27FC236}">
-                <a16:creationId xmlns:a16="http://schemas.microsoft.com/office/drawing/2014/main" id="{65DDED4D-C741-98D0-16D3-5DE3D621596C}"/>
-              </a:ext>
-            </a:extLst>
-          </p:cNvPr>
-          <p:cNvSpPr txBox="1"/>
-          <p:nvPr/>
-        </p:nvSpPr>
-        <p:spPr>
-          <a:xfrm>
-            <a:off x="7348756" y="1690688"/>
-            <a:ext cx="4580389" cy="3139321"/>
-          </a:xfrm>
-          <a:prstGeom prst="rect">
-            <a:avLst/>
-          </a:prstGeom>
-          <a:noFill/>
-        </p:spPr>
-        <p:txBody>
-          <a:bodyPr wrap="square" rtlCol="0">
-            <a:spAutoFit/>
-          </a:bodyPr>
-          <a:lstStyle/>
-          <a:p>
-            <a:r>
-              <a:rPr lang="en-US" dirty="0"/>
-              <a:t>On the Geo plot, hover over any individual State and the name of the State with the Total Sales Revenue for that State will be displayed.</a:t>
-            </a:r>
-          </a:p>
-          <a:p>
-            <a:endParaRPr lang="en-US" dirty="0"/>
-          </a:p>
-          <a:p>
-            <a:r>
-              <a:rPr lang="en-US" dirty="0"/>
-              <a:t>Here, hovering over Texas, app shows $170,188 in Sales based on the current Date Ranges, Categories and Subcategory selected.</a:t>
-            </a:r>
-          </a:p>
-          <a:p>
-            <a:endParaRPr lang="en-US" dirty="0"/>
-          </a:p>
-          <a:p>
-            <a:r>
-              <a:rPr lang="en-US" dirty="0"/>
-              <a:t>This is interactive, and can be viewed for any State and combination of Date ranges, Category and Subcategories.</a:t>
-            </a:r>
-          </a:p>
-        </p:txBody>
-      </p:sp>
     </p:spTree>
     <p:extLst>
       <p:ext uri="{BB962C8B-B14F-4D97-AF65-F5344CB8AC3E}">
@@ -5637,17 +5726,17 @@
           <a:p>
             <a:r>
               <a:rPr lang="en-US" dirty="0"/>
-              <a:t>This plot is an aggregate for Sales, but user can also look at different Date ranges, Categories and Subcategories for the Timeseries.</a:t>
+              <a:t>This plot is an aggregate for Sales, but user can also look at different Date ranges, Categories, Subcategories and States for the Timeseries.</a:t>
             </a:r>
           </a:p>
         </p:txBody>
       </p:sp>
       <p:pic>
         <p:nvPicPr>
-          <p:cNvPr id="6" name="Picture 5">
-            <a:extLst>
-              <a:ext uri="{FF2B5EF4-FFF2-40B4-BE49-F238E27FC236}">
-                <a16:creationId xmlns:a16="http://schemas.microsoft.com/office/drawing/2014/main" id="{36A01DEF-87D9-5B3B-931F-259A75FF5D61}"/>
+          <p:cNvPr id="4" name="Picture 3">
+            <a:extLst>
+              <a:ext uri="{FF2B5EF4-FFF2-40B4-BE49-F238E27FC236}">
+                <a16:creationId xmlns:a16="http://schemas.microsoft.com/office/drawing/2014/main" id="{4EFD6F6D-4D1F-798B-559B-A18B8C7A8497}"/>
               </a:ext>
             </a:extLst>
           </p:cNvPr>
@@ -5658,13 +5747,13 @@
         </p:nvPicPr>
         <p:blipFill rotWithShape="1">
           <a:blip r:embed="rId2"/>
-          <a:srcRect t="3578" r="50000"/>
+          <a:srcRect r="50000" b="6845"/>
           <a:stretch/>
         </p:blipFill>
         <p:spPr>
           <a:xfrm>
-            <a:off x="125583" y="1325562"/>
-            <a:ext cx="7702464" cy="4177615"/>
+            <a:off x="148281" y="1411245"/>
+            <a:ext cx="7701461" cy="4035510"/>
           </a:xfrm>
           <a:prstGeom prst="rect">
             <a:avLst/>
@@ -6020,7 +6109,7 @@
         <p:spPr>
           <a:xfrm>
             <a:off x="100862" y="5609968"/>
-            <a:ext cx="11967569" cy="1200329"/>
+            <a:ext cx="11967569" cy="1138773"/>
           </a:xfrm>
           <a:prstGeom prst="rect">
             <a:avLst/>
@@ -6034,14 +6123,14 @@
           <a:lstStyle/>
           <a:p>
             <a:r>
-              <a:rPr lang="en-US" dirty="0"/>
+              <a:rPr lang="en-US" sz="1700" dirty="0"/>
               <a:t>The third page of the app shows a Timeseries plot for comparing the different Categories individually, along with a plot to analyze trends between the Sales price of the individual Order ID by Total Profit for that Sale (grouped by Category).  The bottom right plot shows the Total Sales by Region.</a:t>
             </a:r>
           </a:p>
           <a:p>
             <a:r>
-              <a:rPr lang="en-US" dirty="0"/>
-              <a:t>All these plots are interactive, and can be modified by Date Range, Category and Subcategory by user input on the home page.</a:t>
+              <a:rPr lang="en-US" sz="1700" dirty="0"/>
+              <a:t>All these plots are interactive, and can be modified by Date Range, Category, Subcategory and State by user input on the home page.</a:t>
             </a:r>
           </a:p>
         </p:txBody>
@@ -6954,6 +7043,15 @@
 </file>
 
 <file path=customXml/item1.xml><?xml version="1.0" encoding="utf-8"?>
+<?mso-contentType ?>
+<FormTemplates xmlns="http://schemas.microsoft.com/sharepoint/v3/contenttype/forms">
+  <Display>DocumentLibraryForm</Display>
+  <Edit>DocumentLibraryForm</Edit>
+  <New>DocumentLibraryForm</New>
+</FormTemplates>
+</file>
+
+<file path=customXml/item2.xml><?xml version="1.0" encoding="utf-8"?>
 <ct:contentTypeSchema xmlns:ct="http://schemas.microsoft.com/office/2006/metadata/contentType" xmlns:ma="http://schemas.microsoft.com/office/2006/metadata/properties/metaAttributes" ct:_="" ma:_="" ma:contentTypeName="Document" ma:contentTypeID="0x01010079F111ED35F8CC479449609E8A0923A6" ma:contentTypeVersion="12" ma:contentTypeDescription="Create a new document." ma:contentTypeScope="" ma:versionID="a410dd7f93c95333ffa1b60ed6adedd1">
   <xsd:schema xmlns:xsd="http://www.w3.org/2001/XMLSchema" xmlns:xs="http://www.w3.org/2001/XMLSchema" xmlns:p="http://schemas.microsoft.com/office/2006/metadata/properties" xmlns:ns2="71af3243-3dd4-4a8d-8c0d-dd76da1f02a5" xmlns:ns3="16c05727-aa75-4e4a-9b5f-8a80a1165891" targetNamespace="http://schemas.microsoft.com/office/2006/metadata/properties" ma:root="true" ma:fieldsID="a936d9baba76aa3866493feff160faab" ns2:_="" ns3:_="">
     <xsd:import namespace="71af3243-3dd4-4a8d-8c0d-dd76da1f02a5"/>
@@ -7174,15 +7272,6 @@
 </ct:contentTypeSchema>
 </file>
 
-<file path=customXml/item2.xml><?xml version="1.0" encoding="utf-8"?>
-<?mso-contentType ?>
-<FormTemplates xmlns="http://schemas.microsoft.com/sharepoint/v3/contenttype/forms">
-  <Display>DocumentLibraryForm</Display>
-  <Edit>DocumentLibraryForm</Edit>
-  <New>DocumentLibraryForm</New>
-</FormTemplates>
-</file>
-
 <file path=customXml/item3.xml><?xml version="1.0" encoding="utf-8"?>
 <p:properties xmlns:p="http://schemas.microsoft.com/office/2006/metadata/properties" xmlns:xsi="http://www.w3.org/2001/XMLSchema-instance" xmlns:pc="http://schemas.microsoft.com/office/infopath/2007/PartnerControls">
   <documentManagement>
@@ -7193,6 +7282,14 @@
 </file>
 
 <file path=customXml/itemProps1.xml><?xml version="1.0" encoding="utf-8"?>
+<ds:datastoreItem xmlns:ds="http://schemas.openxmlformats.org/officeDocument/2006/customXml" ds:itemID="{AA3F7EDC-E5B4-4BBC-9D2A-CBE6D46C37AD}">
+  <ds:schemaRefs>
+    <ds:schemaRef ds:uri="http://schemas.microsoft.com/sharepoint/v3/contenttype/forms"/>
+  </ds:schemaRefs>
+</ds:datastoreItem>
+</file>
+
+<file path=customXml/itemProps2.xml><?xml version="1.0" encoding="utf-8"?>
 <ds:datastoreItem xmlns:ds="http://schemas.openxmlformats.org/officeDocument/2006/customXml" ds:itemID="{93932EF5-314F-409E-8020-FEE5FA0795B9}">
   <ds:schemaRefs>
     <ds:schemaRef ds:uri="http://schemas.microsoft.com/office/2006/metadata/contentType"/>
@@ -7211,14 +7308,6 @@
 </ds:datastoreItem>
 </file>
 
-<file path=customXml/itemProps2.xml><?xml version="1.0" encoding="utf-8"?>
-<ds:datastoreItem xmlns:ds="http://schemas.openxmlformats.org/officeDocument/2006/customXml" ds:itemID="{AA3F7EDC-E5B4-4BBC-9D2A-CBE6D46C37AD}">
-  <ds:schemaRefs>
-    <ds:schemaRef ds:uri="http://schemas.microsoft.com/sharepoint/v3/contenttype/forms"/>
-  </ds:schemaRefs>
-</ds:datastoreItem>
-</file>
-
 <file path=customXml/itemProps3.xml><?xml version="1.0" encoding="utf-8"?>
 <ds:datastoreItem xmlns:ds="http://schemas.openxmlformats.org/officeDocument/2006/customXml" ds:itemID="{A03EEFF0-FB57-4CB4-8BFC-DF397689E2ED}">
   <ds:schemaRefs>
